--- a/presentations/Bài 13_Xu ly ngoai le.pptx
+++ b/presentations/Bài 13_Xu ly ngoai le.pptx
@@ -5,7 +5,7 @@
     <p:sldMasterId id="2147483659" r:id="rId1"/>
   </p:sldMasterIdLst>
   <p:notesMasterIdLst>
-    <p:notesMasterId r:id="rId38"/>
+    <p:notesMasterId r:id="rId39"/>
   </p:notesMasterIdLst>
   <p:sldIdLst>
     <p:sldId id="256" r:id="rId2"/>
@@ -44,34 +44,35 @@
     <p:sldId id="376" r:id="rId35"/>
     <p:sldId id="377" r:id="rId36"/>
     <p:sldId id="378" r:id="rId37"/>
+    <p:sldId id="379" r:id="rId38"/>
   </p:sldIdLst>
   <p:sldSz cx="9144000" cy="5143500" type="screen16x9"/>
   <p:notesSz cx="6858000" cy="9144000"/>
   <p:embeddedFontLst>
     <p:embeddedFont>
       <p:font typeface="Alfa Slab One" panose="020B0604020202020204" charset="0"/>
-      <p:regular r:id="rId39"/>
+      <p:regular r:id="rId40"/>
     </p:embeddedFont>
     <p:embeddedFont>
       <p:font typeface="Helvetica Neue" panose="02000506040000020004" pitchFamily="2" charset="0"/>
-      <p:regular r:id="rId40"/>
-      <p:bold r:id="rId41"/>
-      <p:italic r:id="rId42"/>
-      <p:boldItalic r:id="rId43"/>
+      <p:regular r:id="rId41"/>
+      <p:bold r:id="rId42"/>
+      <p:italic r:id="rId43"/>
+      <p:boldItalic r:id="rId44"/>
     </p:embeddedFont>
     <p:embeddedFont>
       <p:font typeface="Proxima Nova" panose="020B0604020202020204" charset="0"/>
-      <p:regular r:id="rId44"/>
-      <p:bold r:id="rId45"/>
-      <p:italic r:id="rId46"/>
-      <p:boldItalic r:id="rId47"/>
+      <p:regular r:id="rId45"/>
+      <p:bold r:id="rId46"/>
+      <p:italic r:id="rId47"/>
+      <p:boldItalic r:id="rId48"/>
     </p:embeddedFont>
     <p:embeddedFont>
       <p:font typeface="Roboto" panose="02000000000000000000" pitchFamily="2" charset="0"/>
-      <p:regular r:id="rId48"/>
-      <p:bold r:id="rId49"/>
-      <p:italic r:id="rId50"/>
-      <p:boldItalic r:id="rId51"/>
+      <p:regular r:id="rId49"/>
+      <p:bold r:id="rId50"/>
+      <p:italic r:id="rId51"/>
+      <p:boldItalic r:id="rId52"/>
     </p:embeddedFont>
   </p:embeddedFontLst>
   <p:defaultTextStyle>
@@ -17761,6 +17762,110 @@
 </p:sld>
 </file>
 
+<file path=ppt/slides/slide37.xml><?xml version="1.0" encoding="utf-8"?>
+<p:sld xmlns:a="http://schemas.openxmlformats.org/drawingml/2006/main" xmlns:r="http://schemas.openxmlformats.org/officeDocument/2006/relationships" xmlns:p="http://schemas.openxmlformats.org/presentationml/2006/main">
+  <p:cSld>
+    <p:spTree>
+      <p:nvGrpSpPr>
+        <p:cNvPr id="1" name=""/>
+        <p:cNvGrpSpPr/>
+        <p:nvPr/>
+      </p:nvGrpSpPr>
+      <p:grpSpPr>
+        <a:xfrm>
+          <a:off x="0" y="0"/>
+          <a:ext cx="0" cy="0"/>
+          <a:chOff x="0" y="0"/>
+          <a:chExt cx="0" cy="0"/>
+        </a:xfrm>
+      </p:grpSpPr>
+      <p:sp>
+        <p:nvSpPr>
+          <p:cNvPr id="2" name="Title 1">
+            <a:extLst>
+              <a:ext uri="{FF2B5EF4-FFF2-40B4-BE49-F238E27FC236}">
+                <a16:creationId xmlns:a16="http://schemas.microsoft.com/office/drawing/2014/main" id="{CF6D12E1-FBF4-CDF1-B80D-910C581441FA}"/>
+              </a:ext>
+            </a:extLst>
+          </p:cNvPr>
+          <p:cNvSpPr>
+            <a:spLocks noGrp="1"/>
+          </p:cNvSpPr>
+          <p:nvPr>
+            <p:ph type="title"/>
+          </p:nvPr>
+        </p:nvSpPr>
+        <p:spPr/>
+        <p:txBody>
+          <a:bodyPr>
+            <a:normAutofit fontScale="90000"/>
+          </a:bodyPr>
+          <a:lstStyle/>
+          <a:p>
+            <a:endParaRPr lang="en-US"/>
+          </a:p>
+        </p:txBody>
+      </p:sp>
+      <p:pic>
+        <p:nvPicPr>
+          <p:cNvPr id="2050" name="Picture 2">
+            <a:extLst>
+              <a:ext uri="{FF2B5EF4-FFF2-40B4-BE49-F238E27FC236}">
+                <a16:creationId xmlns:a16="http://schemas.microsoft.com/office/drawing/2014/main" id="{DEF02AC6-78FC-B7BC-B1CC-891990A6FE59}"/>
+              </a:ext>
+            </a:extLst>
+          </p:cNvPr>
+          <p:cNvPicPr>
+            <a:picLocks noChangeAspect="1" noChangeArrowheads="1"/>
+          </p:cNvPicPr>
+          <p:nvPr/>
+        </p:nvPicPr>
+        <p:blipFill>
+          <a:blip r:embed="rId2">
+            <a:extLst>
+              <a:ext uri="{28A0092B-C50C-407E-A947-70E740481C1C}">
+                <a14:useLocalDpi xmlns:a14="http://schemas.microsoft.com/office/drawing/2010/main" val="0"/>
+              </a:ext>
+            </a:extLst>
+          </a:blip>
+          <a:srcRect/>
+          <a:stretch>
+            <a:fillRect/>
+          </a:stretch>
+        </p:blipFill>
+        <p:spPr bwMode="auto">
+          <a:xfrm>
+            <a:off x="0" y="0"/>
+            <a:ext cx="9144000" cy="5143500"/>
+          </a:xfrm>
+          <a:prstGeom prst="rect">
+            <a:avLst/>
+          </a:prstGeom>
+          <a:noFill/>
+          <a:extLst>
+            <a:ext uri="{909E8E84-426E-40DD-AFC4-6F175D3DCCD1}">
+              <a14:hiddenFill xmlns:a14="http://schemas.microsoft.com/office/drawing/2010/main">
+                <a:solidFill>
+                  <a:srgbClr val="FFFFFF"/>
+                </a:solidFill>
+              </a14:hiddenFill>
+            </a:ext>
+          </a:extLst>
+        </p:spPr>
+      </p:pic>
+    </p:spTree>
+    <p:extLst>
+      <p:ext uri="{BB962C8B-B14F-4D97-AF65-F5344CB8AC3E}">
+        <p14:creationId xmlns:p14="http://schemas.microsoft.com/office/powerpoint/2010/main" val="1171021255"/>
+      </p:ext>
+    </p:extLst>
+  </p:cSld>
+  <p:clrMapOvr>
+    <a:masterClrMapping/>
+  </p:clrMapOvr>
+</p:sld>
+</file>
+
 <file path=ppt/slides/slide4.xml><?xml version="1.0" encoding="utf-8"?>
 <p:sld xmlns:a="http://schemas.openxmlformats.org/drawingml/2006/main" xmlns:r="http://schemas.openxmlformats.org/officeDocument/2006/relationships" xmlns:p="http://schemas.openxmlformats.org/presentationml/2006/main">
   <p:cSld>
